--- a/Presentaciones/4.6 Presupuesto.pptx
+++ b/Presentaciones/4.6 Presupuesto.pptx
@@ -106,6 +106,11 @@
       </a:defRPr>
     </a:lvl9pPr>
   </p:defaultTextStyle>
+  <p:extLst>
+    <p:ext uri="{EFAFB233-063F-42B5-8137-9DF3F51BA10A}">
+      <p15:sldGuideLst xmlns:p15="http://schemas.microsoft.com/office/powerpoint/2012/main"/>
+    </p:ext>
+  </p:extLst>
 </p:presentation>
 </file>
 
@@ -3473,7 +3478,9 @@
         </p:nvSpPr>
         <p:spPr/>
         <p:txBody>
-          <a:bodyPr/>
+          <a:bodyPr>
+            <a:normAutofit/>
+          </a:bodyPr>
           <a:lstStyle/>
           <a:p>
             <a:pPr lvl="1"/>
@@ -3483,10 +3490,24 @@
             </a:r>
           </a:p>
           <a:p>
-            <a:pPr lvl="1"/>
+            <a:pPr lvl="2"/>
             <a:r>
               <a:rPr lang="es-MX" dirty="0"/>
-              <a:t>Materiales</a:t>
+              <a:t>José Ángel Valdés Torres</a:t>
+            </a:r>
+          </a:p>
+          <a:p>
+            <a:pPr lvl="2"/>
+            <a:r>
+              <a:rPr lang="es-MX" dirty="0"/>
+              <a:t>Kevin Peña Mora</a:t>
+            </a:r>
+          </a:p>
+          <a:p>
+            <a:pPr lvl="2"/>
+            <a:r>
+              <a:rPr lang="es-MX" dirty="0"/>
+              <a:t>Yael Atletl Bueno Rojas</a:t>
             </a:r>
           </a:p>
           <a:p>
@@ -3497,10 +3518,61 @@
             </a:r>
           </a:p>
           <a:p>
+            <a:pPr lvl="2"/>
+            <a:r>
+              <a:rPr lang="es-MX"/>
+              <a:t>Laptop x3</a:t>
+            </a:r>
+            <a:endParaRPr lang="es-MX" dirty="0"/>
+          </a:p>
+          <a:p>
+            <a:pPr lvl="2"/>
+            <a:r>
+              <a:rPr lang="es-MX" dirty="0"/>
+              <a:t>Godot </a:t>
+            </a:r>
+            <a:r>
+              <a:rPr lang="es-MX" dirty="0" err="1"/>
+              <a:t>Engine</a:t>
+            </a:r>
+            <a:endParaRPr lang="es-MX" dirty="0"/>
+          </a:p>
+          <a:p>
+            <a:pPr lvl="2"/>
+            <a:r>
+              <a:rPr lang="es-MX" dirty="0" err="1"/>
+              <a:t>Github</a:t>
+            </a:r>
+            <a:endParaRPr lang="es-MX" dirty="0"/>
+          </a:p>
+          <a:p>
+            <a:pPr lvl="2"/>
+            <a:r>
+              <a:rPr lang="es-MX" dirty="0" err="1"/>
+              <a:t>ReadTheDocs</a:t>
+            </a:r>
+            <a:endParaRPr lang="es-MX" dirty="0"/>
+          </a:p>
+          <a:p>
+            <a:pPr lvl="2"/>
+            <a:r>
+              <a:rPr lang="es-MX" dirty="0" err="1"/>
+              <a:t>Sphinx</a:t>
+            </a:r>
+            <a:endParaRPr lang="es-MX" dirty="0"/>
+          </a:p>
+          <a:p>
             <a:pPr lvl="1"/>
             <a:r>
               <a:rPr lang="es-MX" dirty="0"/>
               <a:t>Financieros </a:t>
+            </a:r>
+          </a:p>
+          <a:p>
+            <a:pPr lvl="2"/>
+            <a:r>
+              <a:rPr lang="es-MX" dirty="0"/>
+              <a:t>No aplica</a:t>
             </a:r>
           </a:p>
         </p:txBody>
@@ -3563,31 +3635,192 @@
           </a:p>
         </p:txBody>
       </p:sp>
-      <p:sp>
-        <p:nvSpPr>
-          <p:cNvPr id="3" name="Content Placeholder 2">
-            <a:extLst>
-              <a:ext uri="{FF2B5EF4-FFF2-40B4-BE49-F238E27FC236}">
-                <a16:creationId xmlns:a16="http://schemas.microsoft.com/office/drawing/2014/main" id="{C3C84BD4-1649-495C-9976-B1D97F63B519}"/>
-              </a:ext>
-            </a:extLst>
-          </p:cNvPr>
-          <p:cNvSpPr>
-            <a:spLocks noGrp="1"/>
-          </p:cNvSpPr>
+      <p:graphicFrame>
+        <p:nvGraphicFramePr>
+          <p:cNvPr id="4" name="Content Placeholder 3">
+            <a:extLst>
+              <a:ext uri="{FF2B5EF4-FFF2-40B4-BE49-F238E27FC236}">
+                <a16:creationId xmlns:a16="http://schemas.microsoft.com/office/drawing/2014/main" id="{0F60A892-21AF-4FA3-A024-EADCF95A17F9}"/>
+              </a:ext>
+            </a:extLst>
+          </p:cNvPr>
+          <p:cNvGraphicFramePr>
+            <a:graphicFrameLocks noGrp="1"/>
+          </p:cNvGraphicFramePr>
           <p:nvPr>
             <p:ph idx="1"/>
-          </p:nvPr>
-        </p:nvSpPr>
-        <p:spPr/>
-        <p:txBody>
-          <a:bodyPr/>
-          <a:lstStyle/>
-          <a:p>
-            <a:endParaRPr lang="es-MX" dirty="0"/>
-          </a:p>
-        </p:txBody>
-      </p:sp>
+            <p:extLst>
+              <p:ext uri="{D42A27DB-BD31-4B8C-83A1-F6EECF244321}">
+                <p14:modId xmlns:p14="http://schemas.microsoft.com/office/powerpoint/2010/main" val="1368284274"/>
+              </p:ext>
+            </p:extLst>
+          </p:nvPr>
+        </p:nvGraphicFramePr>
+        <p:xfrm>
+          <a:off x="838200" y="1825625"/>
+          <a:ext cx="10515600" cy="741680"/>
+        </p:xfrm>
+        <a:graphic>
+          <a:graphicData uri="http://schemas.openxmlformats.org/drawingml/2006/table">
+            <a:tbl>
+              <a:tblPr firstRow="1" bandRow="1">
+                <a:tableStyleId>{5C22544A-7EE6-4342-B048-85BDC9FD1C3A}</a:tableStyleId>
+              </a:tblPr>
+              <a:tblGrid>
+                <a:gridCol w="2103120">
+                  <a:extLst>
+                    <a:ext uri="{9D8B030D-6E8A-4147-A177-3AD203B41FA5}">
+                      <a16:colId xmlns:a16="http://schemas.microsoft.com/office/drawing/2014/main" val="2865885496"/>
+                    </a:ext>
+                  </a:extLst>
+                </a:gridCol>
+                <a:gridCol w="2103120">
+                  <a:extLst>
+                    <a:ext uri="{9D8B030D-6E8A-4147-A177-3AD203B41FA5}">
+                      <a16:colId xmlns:a16="http://schemas.microsoft.com/office/drawing/2014/main" val="497748142"/>
+                    </a:ext>
+                  </a:extLst>
+                </a:gridCol>
+                <a:gridCol w="2103120">
+                  <a:extLst>
+                    <a:ext uri="{9D8B030D-6E8A-4147-A177-3AD203B41FA5}">
+                      <a16:colId xmlns:a16="http://schemas.microsoft.com/office/drawing/2014/main" val="3980738831"/>
+                    </a:ext>
+                  </a:extLst>
+                </a:gridCol>
+                <a:gridCol w="2103120">
+                  <a:extLst>
+                    <a:ext uri="{9D8B030D-6E8A-4147-A177-3AD203B41FA5}">
+                      <a16:colId xmlns:a16="http://schemas.microsoft.com/office/drawing/2014/main" val="3370164701"/>
+                    </a:ext>
+                  </a:extLst>
+                </a:gridCol>
+                <a:gridCol w="2103120">
+                  <a:extLst>
+                    <a:ext uri="{9D8B030D-6E8A-4147-A177-3AD203B41FA5}">
+                      <a16:colId xmlns:a16="http://schemas.microsoft.com/office/drawing/2014/main" val="3923223586"/>
+                    </a:ext>
+                  </a:extLst>
+                </a:gridCol>
+              </a:tblGrid>
+              <a:tr h="370840">
+                <a:tc>
+                  <a:txBody>
+                    <a:bodyPr/>
+                    <a:lstStyle/>
+                    <a:p>
+                      <a:endParaRPr lang="es-MX" dirty="0"/>
+                    </a:p>
+                  </a:txBody>
+                  <a:tcPr/>
+                </a:tc>
+                <a:tc>
+                  <a:txBody>
+                    <a:bodyPr/>
+                    <a:lstStyle/>
+                    <a:p>
+                      <a:endParaRPr lang="es-MX"/>
+                    </a:p>
+                  </a:txBody>
+                  <a:tcPr/>
+                </a:tc>
+                <a:tc>
+                  <a:txBody>
+                    <a:bodyPr/>
+                    <a:lstStyle/>
+                    <a:p>
+                      <a:endParaRPr lang="es-MX"/>
+                    </a:p>
+                  </a:txBody>
+                  <a:tcPr/>
+                </a:tc>
+                <a:tc>
+                  <a:txBody>
+                    <a:bodyPr/>
+                    <a:lstStyle/>
+                    <a:p>
+                      <a:endParaRPr lang="es-MX"/>
+                    </a:p>
+                  </a:txBody>
+                  <a:tcPr/>
+                </a:tc>
+                <a:tc>
+                  <a:txBody>
+                    <a:bodyPr/>
+                    <a:lstStyle/>
+                    <a:p>
+                      <a:endParaRPr lang="es-MX"/>
+                    </a:p>
+                  </a:txBody>
+                  <a:tcPr/>
+                </a:tc>
+                <a:extLst>
+                  <a:ext uri="{0D108BD9-81ED-4DB2-BD59-A6C34878D82A}">
+                    <a16:rowId xmlns:a16="http://schemas.microsoft.com/office/drawing/2014/main" val="218387308"/>
+                  </a:ext>
+                </a:extLst>
+              </a:tr>
+              <a:tr h="370840">
+                <a:tc>
+                  <a:txBody>
+                    <a:bodyPr/>
+                    <a:lstStyle/>
+                    <a:p>
+                      <a:endParaRPr lang="es-MX"/>
+                    </a:p>
+                  </a:txBody>
+                  <a:tcPr/>
+                </a:tc>
+                <a:tc>
+                  <a:txBody>
+                    <a:bodyPr/>
+                    <a:lstStyle/>
+                    <a:p>
+                      <a:endParaRPr lang="es-MX"/>
+                    </a:p>
+                  </a:txBody>
+                  <a:tcPr/>
+                </a:tc>
+                <a:tc>
+                  <a:txBody>
+                    <a:bodyPr/>
+                    <a:lstStyle/>
+                    <a:p>
+                      <a:endParaRPr lang="es-MX"/>
+                    </a:p>
+                  </a:txBody>
+                  <a:tcPr/>
+                </a:tc>
+                <a:tc>
+                  <a:txBody>
+                    <a:bodyPr/>
+                    <a:lstStyle/>
+                    <a:p>
+                      <a:endParaRPr lang="es-MX"/>
+                    </a:p>
+                  </a:txBody>
+                  <a:tcPr/>
+                </a:tc>
+                <a:tc>
+                  <a:txBody>
+                    <a:bodyPr/>
+                    <a:lstStyle/>
+                    <a:p>
+                      <a:endParaRPr lang="es-MX"/>
+                    </a:p>
+                  </a:txBody>
+                  <a:tcPr/>
+                </a:tc>
+                <a:extLst>
+                  <a:ext uri="{0D108BD9-81ED-4DB2-BD59-A6C34878D82A}">
+                    <a16:rowId xmlns:a16="http://schemas.microsoft.com/office/drawing/2014/main" val="463048966"/>
+                  </a:ext>
+                </a:extLst>
+              </a:tr>
+            </a:tbl>
+          </a:graphicData>
+        </a:graphic>
+      </p:graphicFrame>
     </p:spTree>
     <p:extLst>
       <p:ext uri="{BB962C8B-B14F-4D97-AF65-F5344CB8AC3E}">

--- a/Presentaciones/4.6 Presupuesto.pptx
+++ b/Presentaciones/4.6 Presupuesto.pptx
@@ -263,7 +263,7 @@
           <a:p>
             <a:fld id="{FDEA27FF-2476-43F8-A36F-F1379793E07E}" type="datetimeFigureOut">
               <a:rPr lang="es-MX" smtClean="0"/>
-              <a:t>15/03/2019</a:t>
+              <a:t>20/03/2019</a:t>
             </a:fld>
             <a:endParaRPr lang="es-MX"/>
           </a:p>
@@ -463,7 +463,7 @@
           <a:p>
             <a:fld id="{FDEA27FF-2476-43F8-A36F-F1379793E07E}" type="datetimeFigureOut">
               <a:rPr lang="es-MX" smtClean="0"/>
-              <a:t>15/03/2019</a:t>
+              <a:t>20/03/2019</a:t>
             </a:fld>
             <a:endParaRPr lang="es-MX"/>
           </a:p>
@@ -673,7 +673,7 @@
           <a:p>
             <a:fld id="{FDEA27FF-2476-43F8-A36F-F1379793E07E}" type="datetimeFigureOut">
               <a:rPr lang="es-MX" smtClean="0"/>
-              <a:t>15/03/2019</a:t>
+              <a:t>20/03/2019</a:t>
             </a:fld>
             <a:endParaRPr lang="es-MX"/>
           </a:p>
@@ -873,7 +873,7 @@
           <a:p>
             <a:fld id="{FDEA27FF-2476-43F8-A36F-F1379793E07E}" type="datetimeFigureOut">
               <a:rPr lang="es-MX" smtClean="0"/>
-              <a:t>15/03/2019</a:t>
+              <a:t>20/03/2019</a:t>
             </a:fld>
             <a:endParaRPr lang="es-MX"/>
           </a:p>
@@ -1149,7 +1149,7 @@
           <a:p>
             <a:fld id="{FDEA27FF-2476-43F8-A36F-F1379793E07E}" type="datetimeFigureOut">
               <a:rPr lang="es-MX" smtClean="0"/>
-              <a:t>15/03/2019</a:t>
+              <a:t>20/03/2019</a:t>
             </a:fld>
             <a:endParaRPr lang="es-MX"/>
           </a:p>
@@ -1417,7 +1417,7 @@
           <a:p>
             <a:fld id="{FDEA27FF-2476-43F8-A36F-F1379793E07E}" type="datetimeFigureOut">
               <a:rPr lang="es-MX" smtClean="0"/>
-              <a:t>15/03/2019</a:t>
+              <a:t>20/03/2019</a:t>
             </a:fld>
             <a:endParaRPr lang="es-MX"/>
           </a:p>
@@ -1832,7 +1832,7 @@
           <a:p>
             <a:fld id="{FDEA27FF-2476-43F8-A36F-F1379793E07E}" type="datetimeFigureOut">
               <a:rPr lang="es-MX" smtClean="0"/>
-              <a:t>15/03/2019</a:t>
+              <a:t>20/03/2019</a:t>
             </a:fld>
             <a:endParaRPr lang="es-MX"/>
           </a:p>
@@ -1974,7 +1974,7 @@
           <a:p>
             <a:fld id="{FDEA27FF-2476-43F8-A36F-F1379793E07E}" type="datetimeFigureOut">
               <a:rPr lang="es-MX" smtClean="0"/>
-              <a:t>15/03/2019</a:t>
+              <a:t>20/03/2019</a:t>
             </a:fld>
             <a:endParaRPr lang="es-MX"/>
           </a:p>
@@ -2087,7 +2087,7 @@
           <a:p>
             <a:fld id="{FDEA27FF-2476-43F8-A36F-F1379793E07E}" type="datetimeFigureOut">
               <a:rPr lang="es-MX" smtClean="0"/>
-              <a:t>15/03/2019</a:t>
+              <a:t>20/03/2019</a:t>
             </a:fld>
             <a:endParaRPr lang="es-MX"/>
           </a:p>
@@ -2400,7 +2400,7 @@
           <a:p>
             <a:fld id="{FDEA27FF-2476-43F8-A36F-F1379793E07E}" type="datetimeFigureOut">
               <a:rPr lang="es-MX" smtClean="0"/>
-              <a:t>15/03/2019</a:t>
+              <a:t>20/03/2019</a:t>
             </a:fld>
             <a:endParaRPr lang="es-MX"/>
           </a:p>
@@ -2689,7 +2689,7 @@
           <a:p>
             <a:fld id="{FDEA27FF-2476-43F8-A36F-F1379793E07E}" type="datetimeFigureOut">
               <a:rPr lang="es-MX" smtClean="0"/>
-              <a:t>15/03/2019</a:t>
+              <a:t>20/03/2019</a:t>
             </a:fld>
             <a:endParaRPr lang="es-MX"/>
           </a:p>
@@ -2932,7 +2932,7 @@
           <a:p>
             <a:fld id="{FDEA27FF-2476-43F8-A36F-F1379793E07E}" type="datetimeFigureOut">
               <a:rPr lang="es-MX" smtClean="0"/>
-              <a:t>15/03/2019</a:t>
+              <a:t>20/03/2019</a:t>
             </a:fld>
             <a:endParaRPr lang="es-MX"/>
           </a:p>
@@ -3630,7 +3630,7 @@
           <a:p>
             <a:r>
               <a:rPr lang="es-MX" dirty="0"/>
-              <a:t>Desglose de costos</a:t>
+              <a:t>Desglose de costos (Mensual)</a:t>
             </a:r>
           </a:p>
         </p:txBody>
@@ -3651,14 +3651,14 @@
             <p:ph idx="1"/>
             <p:extLst>
               <p:ext uri="{D42A27DB-BD31-4B8C-83A1-F6EECF244321}">
-                <p14:modId xmlns:p14="http://schemas.microsoft.com/office/powerpoint/2010/main" val="1368284274"/>
+                <p14:modId xmlns:p14="http://schemas.microsoft.com/office/powerpoint/2010/main" val="4197197459"/>
               </p:ext>
             </p:extLst>
           </p:nvPr>
         </p:nvGraphicFramePr>
         <p:xfrm>
           <a:off x="838200" y="1825625"/>
-          <a:ext cx="10515600" cy="741680"/>
+          <a:ext cx="10515600" cy="1854200"/>
         </p:xfrm>
         <a:graphic>
           <a:graphicData uri="http://schemas.openxmlformats.org/drawingml/2006/table">
@@ -3709,7 +3709,10 @@
                     <a:bodyPr/>
                     <a:lstStyle/>
                     <a:p>
-                      <a:endParaRPr lang="es-MX" dirty="0"/>
+                      <a:r>
+                        <a:rPr lang="es-MX" dirty="0"/>
+                        <a:t>Gastos</a:t>
+                      </a:r>
                     </a:p>
                   </a:txBody>
                   <a:tcPr/>
@@ -3719,7 +3722,10 @@
                     <a:bodyPr/>
                     <a:lstStyle/>
                     <a:p>
-                      <a:endParaRPr lang="es-MX"/>
+                      <a:r>
+                        <a:rPr lang="es-MX" dirty="0"/>
+                        <a:t>Yael </a:t>
+                      </a:r>
                     </a:p>
                   </a:txBody>
                   <a:tcPr/>
@@ -3729,7 +3735,10 @@
                     <a:bodyPr/>
                     <a:lstStyle/>
                     <a:p>
-                      <a:endParaRPr lang="es-MX"/>
+                      <a:r>
+                        <a:rPr lang="es-MX" dirty="0"/>
+                        <a:t>José </a:t>
+                      </a:r>
                     </a:p>
                   </a:txBody>
                   <a:tcPr/>
@@ -3739,7 +3748,10 @@
                     <a:bodyPr/>
                     <a:lstStyle/>
                     <a:p>
-                      <a:endParaRPr lang="es-MX"/>
+                      <a:r>
+                        <a:rPr lang="es-MX" dirty="0"/>
+                        <a:t>Kevin</a:t>
+                      </a:r>
                     </a:p>
                   </a:txBody>
                   <a:tcPr/>
@@ -3749,7 +3761,10 @@
                     <a:bodyPr/>
                     <a:lstStyle/>
                     <a:p>
-                      <a:endParaRPr lang="es-MX"/>
+                      <a:r>
+                        <a:rPr lang="es-MX" dirty="0"/>
+                        <a:t>Organización</a:t>
+                      </a:r>
                     </a:p>
                   </a:txBody>
                   <a:tcPr/>
@@ -3766,7 +3781,10 @@
                     <a:bodyPr/>
                     <a:lstStyle/>
                     <a:p>
-                      <a:endParaRPr lang="es-MX"/>
+                      <a:r>
+                        <a:rPr lang="es-MX" dirty="0"/>
+                        <a:t>De vida</a:t>
+                      </a:r>
                     </a:p>
                   </a:txBody>
                   <a:tcPr/>
@@ -3776,7 +3794,10 @@
                     <a:bodyPr/>
                     <a:lstStyle/>
                     <a:p>
-                      <a:endParaRPr lang="es-MX"/>
+                      <a:r>
+                        <a:rPr lang="es-MX" dirty="0"/>
+                        <a:t>$615</a:t>
+                      </a:r>
                     </a:p>
                   </a:txBody>
                   <a:tcPr/>
@@ -3786,7 +3807,10 @@
                     <a:bodyPr/>
                     <a:lstStyle/>
                     <a:p>
-                      <a:endParaRPr lang="es-MX"/>
+                      <a:r>
+                        <a:rPr lang="es-MX" dirty="0"/>
+                        <a:t>$615</a:t>
+                      </a:r>
                     </a:p>
                   </a:txBody>
                   <a:tcPr/>
@@ -3796,7 +3820,10 @@
                     <a:bodyPr/>
                     <a:lstStyle/>
                     <a:p>
-                      <a:endParaRPr lang="es-MX"/>
+                      <a:r>
+                        <a:rPr lang="es-MX" dirty="0"/>
+                        <a:t>$615</a:t>
+                      </a:r>
                     </a:p>
                   </a:txBody>
                   <a:tcPr/>
@@ -3806,7 +3833,7 @@
                     <a:bodyPr/>
                     <a:lstStyle/>
                     <a:p>
-                      <a:endParaRPr lang="es-MX"/>
+                      <a:endParaRPr lang="es-MX" dirty="0"/>
                     </a:p>
                   </a:txBody>
                   <a:tcPr/>
@@ -3814,6 +3841,219 @@
                 <a:extLst>
                   <a:ext uri="{0D108BD9-81ED-4DB2-BD59-A6C34878D82A}">
                     <a16:rowId xmlns:a16="http://schemas.microsoft.com/office/drawing/2014/main" val="463048966"/>
+                  </a:ext>
+                </a:extLst>
+              </a:tr>
+              <a:tr h="370840">
+                <a:tc>
+                  <a:txBody>
+                    <a:bodyPr/>
+                    <a:lstStyle/>
+                    <a:p>
+                      <a:r>
+                        <a:rPr lang="es-MX" dirty="0"/>
+                        <a:t>Electricidad</a:t>
+                      </a:r>
+                    </a:p>
+                  </a:txBody>
+                  <a:tcPr/>
+                </a:tc>
+                <a:tc>
+                  <a:txBody>
+                    <a:bodyPr/>
+                    <a:lstStyle/>
+                    <a:p>
+                      <a:r>
+                        <a:rPr lang="es-MX" dirty="0"/>
+                        <a:t>$100</a:t>
+                      </a:r>
+                    </a:p>
+                  </a:txBody>
+                  <a:tcPr/>
+                </a:tc>
+                <a:tc>
+                  <a:txBody>
+                    <a:bodyPr/>
+                    <a:lstStyle/>
+                    <a:p>
+                      <a:r>
+                        <a:rPr lang="es-MX" dirty="0"/>
+                        <a:t>$100</a:t>
+                      </a:r>
+                    </a:p>
+                  </a:txBody>
+                  <a:tcPr/>
+                </a:tc>
+                <a:tc>
+                  <a:txBody>
+                    <a:bodyPr/>
+                    <a:lstStyle/>
+                    <a:p>
+                      <a:r>
+                        <a:rPr lang="es-MX" dirty="0"/>
+                        <a:t>$100</a:t>
+                      </a:r>
+                    </a:p>
+                  </a:txBody>
+                  <a:tcPr/>
+                </a:tc>
+                <a:tc>
+                  <a:txBody>
+                    <a:bodyPr/>
+                    <a:lstStyle/>
+                    <a:p>
+                      <a:r>
+                        <a:rPr lang="es-MX" dirty="0"/>
+                        <a:t>$240</a:t>
+                      </a:r>
+                    </a:p>
+                  </a:txBody>
+                  <a:tcPr/>
+                </a:tc>
+                <a:extLst>
+                  <a:ext uri="{0D108BD9-81ED-4DB2-BD59-A6C34878D82A}">
+                    <a16:rowId xmlns:a16="http://schemas.microsoft.com/office/drawing/2014/main" val="23329404"/>
+                  </a:ext>
+                </a:extLst>
+              </a:tr>
+              <a:tr h="370840">
+                <a:tc>
+                  <a:txBody>
+                    <a:bodyPr/>
+                    <a:lstStyle/>
+                    <a:p>
+                      <a:r>
+                        <a:rPr lang="es-MX" dirty="0"/>
+                        <a:t>Pago</a:t>
+                      </a:r>
+                    </a:p>
+                  </a:txBody>
+                  <a:tcPr/>
+                </a:tc>
+                <a:tc>
+                  <a:txBody>
+                    <a:bodyPr/>
+                    <a:lstStyle/>
+                    <a:p>
+                      <a:r>
+                        <a:rPr lang="es-MX" dirty="0"/>
+                        <a:t>$500</a:t>
+                      </a:r>
+                    </a:p>
+                  </a:txBody>
+                  <a:tcPr/>
+                </a:tc>
+                <a:tc>
+                  <a:txBody>
+                    <a:bodyPr/>
+                    <a:lstStyle/>
+                    <a:p>
+                      <a:r>
+                        <a:rPr lang="es-MX" dirty="0"/>
+                        <a:t>$500</a:t>
+                      </a:r>
+                    </a:p>
+                  </a:txBody>
+                  <a:tcPr/>
+                </a:tc>
+                <a:tc>
+                  <a:txBody>
+                    <a:bodyPr/>
+                    <a:lstStyle/>
+                    <a:p>
+                      <a:r>
+                        <a:rPr lang="es-MX" dirty="0"/>
+                        <a:t>$500</a:t>
+                      </a:r>
+                    </a:p>
+                  </a:txBody>
+                  <a:tcPr/>
+                </a:tc>
+                <a:tc>
+                  <a:txBody>
+                    <a:bodyPr/>
+                    <a:lstStyle/>
+                    <a:p>
+                      <a:endParaRPr lang="es-MX" dirty="0"/>
+                    </a:p>
+                  </a:txBody>
+                  <a:tcPr/>
+                </a:tc>
+                <a:extLst>
+                  <a:ext uri="{0D108BD9-81ED-4DB2-BD59-A6C34878D82A}">
+                    <a16:rowId xmlns:a16="http://schemas.microsoft.com/office/drawing/2014/main" val="4034403967"/>
+                  </a:ext>
+                </a:extLst>
+              </a:tr>
+              <a:tr h="370840">
+                <a:tc>
+                  <a:txBody>
+                    <a:bodyPr/>
+                    <a:lstStyle/>
+                    <a:p>
+                      <a:r>
+                        <a:rPr lang="es-MX" dirty="0"/>
+                        <a:t>Mantenimiento</a:t>
+                      </a:r>
+                    </a:p>
+                  </a:txBody>
+                  <a:tcPr/>
+                </a:tc>
+                <a:tc>
+                  <a:txBody>
+                    <a:bodyPr/>
+                    <a:lstStyle/>
+                    <a:p>
+                      <a:r>
+                        <a:rPr lang="es-MX" dirty="0"/>
+                        <a:t>$300</a:t>
+                      </a:r>
+                    </a:p>
+                  </a:txBody>
+                  <a:tcPr/>
+                </a:tc>
+                <a:tc>
+                  <a:txBody>
+                    <a:bodyPr/>
+                    <a:lstStyle/>
+                    <a:p>
+                      <a:r>
+                        <a:rPr lang="es-MX" dirty="0"/>
+                        <a:t>$300</a:t>
+                      </a:r>
+                    </a:p>
+                  </a:txBody>
+                  <a:tcPr/>
+                </a:tc>
+                <a:tc>
+                  <a:txBody>
+                    <a:bodyPr/>
+                    <a:lstStyle/>
+                    <a:p>
+                      <a:r>
+                        <a:rPr lang="es-MX" dirty="0"/>
+                        <a:t>$300</a:t>
+                      </a:r>
+                    </a:p>
+                  </a:txBody>
+                  <a:tcPr/>
+                </a:tc>
+                <a:tc>
+                  <a:txBody>
+                    <a:bodyPr/>
+                    <a:lstStyle/>
+                    <a:p>
+                      <a:r>
+                        <a:rPr lang="es-MX" dirty="0"/>
+                        <a:t>$500</a:t>
+                      </a:r>
+                    </a:p>
+                  </a:txBody>
+                  <a:tcPr/>
+                </a:tc>
+                <a:extLst>
+                  <a:ext uri="{0D108BD9-81ED-4DB2-BD59-A6C34878D82A}">
+                    <a16:rowId xmlns:a16="http://schemas.microsoft.com/office/drawing/2014/main" val="3397772110"/>
                   </a:ext>
                 </a:extLst>
               </a:tr>
